--- a/20200426-20200508丁家恳.pptx
+++ b/20200426-20200508丁家恳.pptx
@@ -5398,6 +5398,16 @@
               <a:t>网关键路径代码还在写，遇到的难点是：如何存储事件和活动</a:t>
             </a:r>
           </a:p>
+          <a:p>
+            <a:r>
+              <a:t>感悟：</a:t>
+            </a:r>
+          </a:p>
+          <a:p>
+            <a:r>
+              <a:t>第一次接触贪心思想、迭代思想。</a:t>
+            </a:r>
+          </a:p>
         </p:txBody>
       </p:sp>
     </p:spTree>
